--- a/TrumpAnalysis.pptx
+++ b/TrumpAnalysis.pptx
@@ -3638,15 +3638,7 @@
             </a:r>
             <a:r>
               <a:rPr lang="zh-CN" altLang="en-US" sz="3600"/>
-              <a:t>的</a:t>
-            </a:r>
-            <a:r>
-              <a:rPr lang="zh-CN" altLang="en-US" sz="3600"/>
-              <a:t>态度</a:t>
-            </a:r>
-            <a:r>
-              <a:rPr lang="zh-CN" altLang="en-US" sz="3600"/>
-              <a:t>分析结果</a:t>
+              <a:t>的态度分析结果</a:t>
             </a:r>
             <a:endParaRPr lang="zh-CN" altLang="en-US" sz="3600"/>
           </a:p>
@@ -3898,11 +3890,7 @@
             </a:r>
             <a:r>
               <a:rPr lang="zh-CN" altLang="en-US" sz="3600"/>
-              <a:t>中对日本</a:t>
-            </a:r>
-            <a:r>
-              <a:rPr lang="zh-CN" altLang="en-US" sz="3600"/>
-              <a:t>的态度</a:t>
+              <a:t>中对日本的态度</a:t>
             </a:r>
             <a:endParaRPr lang="zh-CN" altLang="en-US" sz="3600"/>
           </a:p>
@@ -4009,11 +3997,15 @@
             <a:pPr algn="l"/>
             <a:r>
               <a:rPr lang="zh-CN" altLang="en-US" sz="2800"/>
-              <a:t>关键字：共建更好的军事关系</a:t>
+              <a:t>关键字：共建更好的军事关系、新</a:t>
+            </a:r>
+            <a:r>
+              <a:rPr lang="en-US" altLang="zh-CN" sz="2800"/>
+              <a:t>T</a:t>
             </a:r>
             <a:r>
               <a:rPr lang="zh-CN" altLang="en-US" sz="2800"/>
-              <a:t>、新PPP协定</a:t>
+              <a:t>PP协定</a:t>
             </a:r>
             <a:endParaRPr lang="zh-CN" altLang="en-US" sz="2800"/>
           </a:p>
@@ -4107,11 +4099,7 @@
             </a:r>
             <a:r>
               <a:rPr lang="zh-CN" altLang="en-US" sz="3600"/>
-              <a:t>中对英国</a:t>
-            </a:r>
-            <a:r>
-              <a:rPr lang="zh-CN" altLang="en-US" sz="3600"/>
-              <a:t>的态度</a:t>
+              <a:t>中对英国的态度</a:t>
             </a:r>
             <a:endParaRPr lang="zh-CN" altLang="en-US" sz="3600"/>
           </a:p>
@@ -4188,11 +4176,7 @@
             </a:r>
             <a:r>
               <a:rPr lang="zh-CN" altLang="en-US" sz="3600"/>
-              <a:t>中对英</a:t>
-            </a:r>
-            <a:r>
-              <a:rPr lang="zh-CN" altLang="en-US" sz="3600"/>
-              <a:t>国的态度</a:t>
+              <a:t>中对英国的态度</a:t>
             </a:r>
             <a:endParaRPr lang="zh-CN" altLang="en-US" sz="3600"/>
           </a:p>
@@ -4274,11 +4258,7 @@
             </a:r>
             <a:r>
               <a:rPr lang="zh-CN" altLang="en-US" sz="3600"/>
-              <a:t>中对俄罗斯</a:t>
-            </a:r>
-            <a:r>
-              <a:rPr lang="zh-CN" altLang="en-US" sz="3600"/>
-              <a:t>的态度</a:t>
+              <a:t>中对俄罗斯的态度</a:t>
             </a:r>
             <a:endParaRPr lang="zh-CN" altLang="en-US" sz="3600"/>
           </a:p>
@@ -4355,11 +4335,7 @@
             </a:r>
             <a:r>
               <a:rPr lang="zh-CN" altLang="en-US" sz="3600"/>
-              <a:t>中对俄罗斯</a:t>
-            </a:r>
-            <a:r>
-              <a:rPr lang="zh-CN" altLang="en-US" sz="3600"/>
-              <a:t>的态度</a:t>
+              <a:t>中对俄罗斯的态度</a:t>
             </a:r>
             <a:endParaRPr lang="zh-CN" altLang="en-US" sz="3600"/>
           </a:p>
@@ -4678,11 +4654,7 @@
             </a:r>
             <a:r>
               <a:rPr lang="zh-CN" altLang="en-US" sz="2800"/>
-              <a:t>对前几任总统的政策有所不满</a:t>
-            </a:r>
-            <a:r>
-              <a:rPr lang="zh-CN" altLang="en-US" sz="2800"/>
-              <a:t>。</a:t>
+              <a:t>对前几任总统的政策有所不满。</a:t>
             </a:r>
             <a:endParaRPr lang="en-US" altLang="zh-CN" sz="2800"/>
           </a:p>
@@ -4870,11 +4842,7 @@
             <a:pPr algn="l"/>
             <a:r>
               <a:rPr lang="zh-CN" altLang="en-US" sz="3600"/>
-              <a:t>内容、创立时间、转发数量</a:t>
-            </a:r>
-            <a:r>
-              <a:rPr lang="zh-CN" altLang="en-US" sz="3600"/>
-              <a:t>与喜欢数量。</a:t>
+              <a:t>内容、创立时间、转发数量与喜欢数量。</a:t>
             </a:r>
             <a:endParaRPr lang="zh-CN" altLang="en-US" sz="3600"/>
           </a:p>
@@ -5234,11 +5202,7 @@
             </a:r>
             <a:r>
               <a:rPr lang="zh-CN" altLang="en-US" sz="3600"/>
-              <a:t>增速</a:t>
-            </a:r>
-            <a:r>
-              <a:rPr lang="zh-CN" altLang="en-US" sz="3600"/>
-              <a:t>分析</a:t>
+              <a:t>增速分析</a:t>
             </a:r>
             <a:endParaRPr lang="zh-CN" altLang="en-US" sz="3600"/>
           </a:p>
